--- a/Fig/sleds_timeline.pptx
+++ b/Fig/sleds_timeline.pptx
@@ -197,7 +197,7 @@
           <a:p>
             <a:fld id="{F3A3F22C-FFD5-4758-AEBE-3BACF0E28F41}" type="datetimeFigureOut">
               <a:rPr lang="en-US" smtClean="0"/>
-              <a:t>2/20/2020</a:t>
+              <a:t>3/4/2020</a:t>
             </a:fld>
             <a:endParaRPr lang="en-US"/>
           </a:p>
@@ -729,7 +729,7 @@
           <a:p>
             <a:fld id="{3178504E-3405-4B80-A9B0-46AF4D633D08}" type="datetimeFigureOut">
               <a:rPr lang="en-US" smtClean="0"/>
-              <a:t>2/20/2020</a:t>
+              <a:t>3/4/2020</a:t>
             </a:fld>
             <a:endParaRPr lang="en-US"/>
           </a:p>
@@ -927,7 +927,7 @@
           <a:p>
             <a:fld id="{3178504E-3405-4B80-A9B0-46AF4D633D08}" type="datetimeFigureOut">
               <a:rPr lang="en-US" smtClean="0"/>
-              <a:t>2/20/2020</a:t>
+              <a:t>3/4/2020</a:t>
             </a:fld>
             <a:endParaRPr lang="en-US"/>
           </a:p>
@@ -1135,7 +1135,7 @@
           <a:p>
             <a:fld id="{3178504E-3405-4B80-A9B0-46AF4D633D08}" type="datetimeFigureOut">
               <a:rPr lang="en-US" smtClean="0"/>
-              <a:t>2/20/2020</a:t>
+              <a:t>3/4/2020</a:t>
             </a:fld>
             <a:endParaRPr lang="en-US"/>
           </a:p>
@@ -1333,7 +1333,7 @@
           <a:p>
             <a:fld id="{3178504E-3405-4B80-A9B0-46AF4D633D08}" type="datetimeFigureOut">
               <a:rPr lang="en-US" smtClean="0"/>
-              <a:t>2/20/2020</a:t>
+              <a:t>3/4/2020</a:t>
             </a:fld>
             <a:endParaRPr lang="en-US"/>
           </a:p>
@@ -1608,7 +1608,7 @@
           <a:p>
             <a:fld id="{3178504E-3405-4B80-A9B0-46AF4D633D08}" type="datetimeFigureOut">
               <a:rPr lang="en-US" smtClean="0"/>
-              <a:t>2/20/2020</a:t>
+              <a:t>3/4/2020</a:t>
             </a:fld>
             <a:endParaRPr lang="en-US"/>
           </a:p>
@@ -1873,7 +1873,7 @@
           <a:p>
             <a:fld id="{3178504E-3405-4B80-A9B0-46AF4D633D08}" type="datetimeFigureOut">
               <a:rPr lang="en-US" smtClean="0"/>
-              <a:t>2/20/2020</a:t>
+              <a:t>3/4/2020</a:t>
             </a:fld>
             <a:endParaRPr lang="en-US"/>
           </a:p>
@@ -2285,7 +2285,7 @@
           <a:p>
             <a:fld id="{3178504E-3405-4B80-A9B0-46AF4D633D08}" type="datetimeFigureOut">
               <a:rPr lang="en-US" smtClean="0"/>
-              <a:t>2/20/2020</a:t>
+              <a:t>3/4/2020</a:t>
             </a:fld>
             <a:endParaRPr lang="en-US"/>
           </a:p>
@@ -2426,7 +2426,7 @@
           <a:p>
             <a:fld id="{3178504E-3405-4B80-A9B0-46AF4D633D08}" type="datetimeFigureOut">
               <a:rPr lang="en-US" smtClean="0"/>
-              <a:t>2/20/2020</a:t>
+              <a:t>3/4/2020</a:t>
             </a:fld>
             <a:endParaRPr lang="en-US"/>
           </a:p>
@@ -2539,7 +2539,7 @@
           <a:p>
             <a:fld id="{3178504E-3405-4B80-A9B0-46AF4D633D08}" type="datetimeFigureOut">
               <a:rPr lang="en-US" smtClean="0"/>
-              <a:t>2/20/2020</a:t>
+              <a:t>3/4/2020</a:t>
             </a:fld>
             <a:endParaRPr lang="en-US"/>
           </a:p>
@@ -2850,7 +2850,7 @@
           <a:p>
             <a:fld id="{3178504E-3405-4B80-A9B0-46AF4D633D08}" type="datetimeFigureOut">
               <a:rPr lang="en-US" smtClean="0"/>
-              <a:t>2/20/2020</a:t>
+              <a:t>3/4/2020</a:t>
             </a:fld>
             <a:endParaRPr lang="en-US"/>
           </a:p>
@@ -3138,7 +3138,7 @@
           <a:p>
             <a:fld id="{3178504E-3405-4B80-A9B0-46AF4D633D08}" type="datetimeFigureOut">
               <a:rPr lang="en-US" smtClean="0"/>
-              <a:t>2/20/2020</a:t>
+              <a:t>3/4/2020</a:t>
             </a:fld>
             <a:endParaRPr lang="en-US"/>
           </a:p>
@@ -3379,7 +3379,7 @@
           <a:p>
             <a:fld id="{3178504E-3405-4B80-A9B0-46AF4D633D08}" type="datetimeFigureOut">
               <a:rPr lang="en-US" smtClean="0"/>
-              <a:t>2/20/2020</a:t>
+              <a:t>3/4/2020</a:t>
             </a:fld>
             <a:endParaRPr lang="en-US"/>
           </a:p>
@@ -3926,10 +3926,16 @@
             <a:lstStyle/>
             <a:p>
               <a:r>
+                <a:rPr lang="en-US">
+                  <a:cs typeface="Times New Roman" panose="02020603050405020304" pitchFamily="18" charset="0"/>
+                </a:rPr>
+                <a:t>68 x 68 </a:t>
+              </a:r>
+              <a:r>
                 <a:rPr lang="en-US" dirty="0">
                   <a:cs typeface="Times New Roman" panose="02020603050405020304" pitchFamily="18" charset="0"/>
                 </a:rPr>
-                <a:t>64 x 64 SLEDs array + RIIC</a:t>
+                <a:t>SLEDs array + RIIC</a:t>
               </a:r>
             </a:p>
           </p:txBody>
